--- a/پاور سمینار.pptx
+++ b/پاور سمینار.pptx
@@ -277,6 +277,11 @@
       </a:defRPr>
     </a:lvl9pPr>
   </p:defaultTextStyle>
+  <p:extLst>
+    <p:ext uri="{EFAFB233-063F-42B5-8137-9DF3F51BA10A}">
+      <p15:sldGuideLst xmlns:p15="http://schemas.microsoft.com/office/powerpoint/2012/main"/>
+    </p:ext>
+  </p:extLst>
 </p:presentation>
 </file>
 
@@ -21330,13 +21335,13 @@
   <p:clrMapOvr>
     <a:masterClrMapping/>
   </p:clrMapOvr>
-  <mc:AlternateContent xmlns:mc="http://schemas.openxmlformats.org/markup-compatibility/2006">
-    <mc:Choice xmlns:p15="http://schemas.microsoft.com/office/powerpoint/2012/main" Requires="p15">
+  <mc:AlternateContent xmlns:mc="http://schemas.openxmlformats.org/markup-compatibility/2006" xmlns:p15="http://schemas.microsoft.com/office/powerpoint/2012/main">
+    <mc:Choice Requires="p15">
       <p:transition xmlns:p14="http://schemas.microsoft.com/office/powerpoint/2010/main" spd="slow" p14:dur="6000">
         <p15:prstTrans prst="curtains"/>
       </p:transition>
     </mc:Choice>
-    <mc:Fallback>
+    <mc:Fallback xmlns="">
       <p:transition spd="slow">
         <p:fade/>
       </p:transition>
@@ -21461,13 +21466,13 @@
   <p:clrMapOvr>
     <a:masterClrMapping/>
   </p:clrMapOvr>
-  <mc:AlternateContent xmlns:mc="http://schemas.openxmlformats.org/markup-compatibility/2006">
-    <mc:Choice xmlns:p14="http://schemas.microsoft.com/office/powerpoint/2010/main" Requires="p14">
+  <mc:AlternateContent xmlns:mc="http://schemas.openxmlformats.org/markup-compatibility/2006" xmlns:p14="http://schemas.microsoft.com/office/powerpoint/2010/main">
+    <mc:Choice Requires="p14">
       <p:transition spd="slow" p14:dur="1500">
         <p14:window dir="vert"/>
       </p:transition>
     </mc:Choice>
-    <mc:Fallback>
+    <mc:Fallback xmlns="">
       <p:transition spd="slow">
         <p:fade/>
       </p:transition>
@@ -21625,10 +21630,14 @@
               <a:buNone/>
             </a:pPr>
             <a:r>
-              <a:rPr lang="en-US" dirty="0" err="1"/>
+              <a:rPr lang="en-US" dirty="0" err="1">
+                <a:cs typeface="Kamran" panose="00000400000000000000" pitchFamily="2" charset="-78"/>
+              </a:rPr>
               <a:t>Gps</a:t>
             </a:r>
-            <a:endParaRPr dirty="0"/>
+            <a:endParaRPr dirty="0">
+              <a:cs typeface="Kamran" panose="00000400000000000000" pitchFamily="2" charset="-78"/>
+            </a:endParaRPr>
           </a:p>
         </p:txBody>
       </p:sp>
@@ -21756,10 +21765,14 @@
               <a:buNone/>
             </a:pPr>
             <a:r>
-              <a:rPr lang="fa-IR" dirty="0"/>
+              <a:rPr lang="fa-IR" sz="2400" dirty="0">
+                <a:cs typeface="Kamran" panose="00000400000000000000" pitchFamily="2" charset="-78"/>
+              </a:rPr>
               <a:t>گرافیک</a:t>
             </a:r>
-            <a:endParaRPr dirty="0"/>
+            <a:endParaRPr sz="2400" dirty="0">
+              <a:cs typeface="Kamran" panose="00000400000000000000" pitchFamily="2" charset="-78"/>
+            </a:endParaRPr>
           </a:p>
         </p:txBody>
       </p:sp>
@@ -21853,10 +21866,14 @@
               <a:buNone/>
             </a:pPr>
             <a:r>
-              <a:rPr lang="fa-IR" dirty="0"/>
+              <a:rPr lang="fa-IR" sz="2400" dirty="0">
+                <a:cs typeface="Kamran" panose="00000400000000000000" pitchFamily="2" charset="-78"/>
+              </a:rPr>
               <a:t>اسکن صورت </a:t>
             </a:r>
-            <a:endParaRPr dirty="0"/>
+            <a:endParaRPr sz="2400" dirty="0">
+              <a:cs typeface="Kamran" panose="00000400000000000000" pitchFamily="2" charset="-78"/>
+            </a:endParaRPr>
           </a:p>
         </p:txBody>
       </p:sp>
@@ -21962,10 +21979,14 @@
               <a:buNone/>
             </a:pPr>
             <a:r>
-              <a:rPr lang="fa-IR" dirty="0"/>
+              <a:rPr lang="fa-IR" sz="2400" dirty="0">
+                <a:cs typeface="Kamran" panose="00000400000000000000" pitchFamily="2" charset="-78"/>
+              </a:rPr>
               <a:t>ثبت زمان</a:t>
             </a:r>
-            <a:endParaRPr dirty="0"/>
+            <a:endParaRPr sz="2400" dirty="0">
+              <a:cs typeface="Kamran" panose="00000400000000000000" pitchFamily="2" charset="-78"/>
+            </a:endParaRPr>
           </a:p>
         </p:txBody>
       </p:sp>
@@ -21974,13 +21995,13 @@
   <p:clrMapOvr>
     <a:masterClrMapping/>
   </p:clrMapOvr>
-  <mc:AlternateContent xmlns:mc="http://schemas.openxmlformats.org/markup-compatibility/2006">
-    <mc:Choice xmlns:p14="http://schemas.microsoft.com/office/powerpoint/2010/main" Requires="p14">
+  <mc:AlternateContent xmlns:mc="http://schemas.openxmlformats.org/markup-compatibility/2006" xmlns:p14="http://schemas.microsoft.com/office/powerpoint/2010/main">
+    <mc:Choice Requires="p14">
       <p:transition spd="slow" p14:dur="1200">
         <p:dissolve/>
       </p:transition>
     </mc:Choice>
-    <mc:Fallback>
+    <mc:Fallback xmlns="">
       <p:transition spd="slow">
         <p:dissolve/>
       </p:transition>
@@ -22106,13 +22127,13 @@
   <p:clrMapOvr>
     <a:masterClrMapping/>
   </p:clrMapOvr>
-  <mc:AlternateContent xmlns:mc="http://schemas.openxmlformats.org/markup-compatibility/2006">
-    <mc:Choice xmlns:p14="http://schemas.microsoft.com/office/powerpoint/2010/main" Requires="p14">
+  <mc:AlternateContent xmlns:mc="http://schemas.openxmlformats.org/markup-compatibility/2006" xmlns:p14="http://schemas.microsoft.com/office/powerpoint/2010/main">
+    <mc:Choice Requires="p14">
       <p:transition spd="slow" p14:dur="1400">
         <p14:ripple/>
       </p:transition>
     </mc:Choice>
-    <mc:Fallback>
+    <mc:Fallback xmlns="">
       <p:transition spd="slow">
         <p:fade/>
       </p:transition>
@@ -22261,7 +22282,9 @@
               <a:buNone/>
             </a:pPr>
             <a:r>
-              <a:rPr lang="fa-IR" dirty="0"/>
+              <a:rPr lang="fa-IR" sz="1800" dirty="0">
+                <a:cs typeface="Kamran" panose="00000400000000000000" pitchFamily="2" charset="-78"/>
+              </a:rPr>
               <a:t>ساخت انواع کلاس ها</a:t>
             </a:r>
           </a:p>
@@ -22276,10 +22299,14 @@
               <a:buNone/>
             </a:pPr>
             <a:r>
-              <a:rPr lang="fa-IR" dirty="0"/>
+              <a:rPr lang="fa-IR" sz="1800" dirty="0">
+                <a:cs typeface="Kamran" panose="00000400000000000000" pitchFamily="2" charset="-78"/>
+              </a:rPr>
               <a:t>ساخت ماژول های مورد نیاز (حدود 3 ماه وقت برد)</a:t>
             </a:r>
-            <a:endParaRPr dirty="0"/>
+            <a:endParaRPr sz="1800" dirty="0">
+              <a:cs typeface="Kamran" panose="00000400000000000000" pitchFamily="2" charset="-78"/>
+            </a:endParaRPr>
           </a:p>
         </p:txBody>
       </p:sp>
@@ -22318,7 +22345,9 @@
               <a:buNone/>
             </a:pPr>
             <a:r>
-              <a:rPr lang="fa-IR" dirty="0"/>
+              <a:rPr lang="fa-IR" dirty="0">
+                <a:cs typeface="+mn-cs"/>
+              </a:rPr>
               <a:t>ساخت گرافیک </a:t>
             </a:r>
           </a:p>
@@ -22333,7 +22362,9 @@
               <a:buNone/>
             </a:pPr>
             <a:r>
-              <a:rPr lang="fa-IR" dirty="0"/>
+              <a:rPr lang="fa-IR" dirty="0">
+                <a:cs typeface="+mn-cs"/>
+              </a:rPr>
               <a:t>یادگیری جنگو</a:t>
             </a:r>
           </a:p>
@@ -22348,14 +22379,18 @@
               <a:buNone/>
             </a:pPr>
             <a:r>
-              <a:rPr lang="fa-IR" dirty="0"/>
+              <a:rPr lang="fa-IR" dirty="0">
+                <a:cs typeface="+mn-cs"/>
+              </a:rPr>
               <a:t>ساخت فرانت اند</a:t>
             </a:r>
           </a:p>
           <a:p>
             <a:pPr marL="0" indent="0" algn="r"/>
             <a:r>
-              <a:rPr lang="fa-IR" dirty="0"/>
+              <a:rPr lang="fa-IR" dirty="0">
+                <a:cs typeface="+mn-cs"/>
+              </a:rPr>
               <a:t>سینک کردن بک اند و فرانت اند</a:t>
             </a:r>
           </a:p>
@@ -22369,7 +22404,9 @@
               </a:spcAft>
               <a:buNone/>
             </a:pPr>
-            <a:endParaRPr dirty="0"/>
+            <a:endParaRPr dirty="0">
+              <a:cs typeface="+mn-cs"/>
+            </a:endParaRPr>
           </a:p>
         </p:txBody>
       </p:sp>
@@ -22408,10 +22445,14 @@
               <a:buNone/>
             </a:pPr>
             <a:r>
-              <a:rPr lang="fa-IR" dirty="0"/>
+              <a:rPr lang="fa-IR" sz="2800" dirty="0">
+                <a:cs typeface="Kamran" panose="00000400000000000000" pitchFamily="2" charset="-78"/>
+              </a:rPr>
               <a:t>کار های انجام شده:</a:t>
             </a:r>
-            <a:endParaRPr dirty="0"/>
+            <a:endParaRPr sz="2800" dirty="0">
+              <a:cs typeface="Kamran" panose="00000400000000000000" pitchFamily="2" charset="-78"/>
+            </a:endParaRPr>
           </a:p>
         </p:txBody>
       </p:sp>
@@ -22427,8 +22468,8 @@
         </p:nvSpPr>
         <p:spPr>
           <a:xfrm>
-            <a:off x="6748200" y="1424702"/>
-            <a:ext cx="2395800" cy="265200"/>
+            <a:off x="7480004" y="1424702"/>
+            <a:ext cx="1663995" cy="265200"/>
           </a:xfrm>
           <a:prstGeom prst="rect">
             <a:avLst/>
@@ -22450,10 +22491,14 @@
               <a:buNone/>
             </a:pPr>
             <a:r>
-              <a:rPr lang="fa-IR" dirty="0"/>
+              <a:rPr lang="fa-IR" sz="2400" dirty="0">
+                <a:cs typeface="Kamran" panose="00000400000000000000" pitchFamily="2" charset="-78"/>
+              </a:rPr>
               <a:t>کار های پیش رو:</a:t>
             </a:r>
-            <a:endParaRPr dirty="0"/>
+            <a:endParaRPr sz="2400" dirty="0">
+              <a:cs typeface="Kamran" panose="00000400000000000000" pitchFamily="2" charset="-78"/>
+            </a:endParaRPr>
           </a:p>
         </p:txBody>
       </p:sp>
@@ -22522,13 +22567,13 @@
   <p:clrMapOvr>
     <a:masterClrMapping/>
   </p:clrMapOvr>
-  <mc:AlternateContent xmlns:mc="http://schemas.openxmlformats.org/markup-compatibility/2006">
-    <mc:Choice xmlns:p14="http://schemas.microsoft.com/office/powerpoint/2010/main" Requires="p14">
+  <mc:AlternateContent xmlns:mc="http://schemas.openxmlformats.org/markup-compatibility/2006" xmlns:p14="http://schemas.microsoft.com/office/powerpoint/2010/main">
+    <mc:Choice Requires="p14">
       <p:transition spd="slow" p14:dur="1500">
         <p:random/>
       </p:transition>
     </mc:Choice>
-    <mc:Fallback>
+    <mc:Fallback xmlns="">
       <p:transition spd="slow">
         <p:random/>
       </p:transition>
@@ -22589,10 +22634,14 @@
               <a:buNone/>
             </a:pPr>
             <a:r>
-              <a:rPr lang="fa-IR" dirty="0"/>
+              <a:rPr lang="fa-IR" sz="4800" dirty="0">
+                <a:cs typeface="Kamran" panose="00000400000000000000" pitchFamily="2" charset="-78"/>
+              </a:rPr>
               <a:t>مرسی از وقتی که گذاشتید!</a:t>
             </a:r>
-            <a:endParaRPr dirty="0"/>
+            <a:endParaRPr sz="4800" dirty="0">
+              <a:cs typeface="Kamran" panose="00000400000000000000" pitchFamily="2" charset="-78"/>
+            </a:endParaRPr>
           </a:p>
         </p:txBody>
       </p:sp>
@@ -22631,7 +22680,9 @@
               <a:buNone/>
             </a:pPr>
             <a:r>
-              <a:rPr lang="fa-IR" dirty="0"/>
+              <a:rPr lang="fa-IR" sz="2400" dirty="0">
+                <a:cs typeface="Kamran" panose="00000400000000000000" pitchFamily="2" charset="-78"/>
+              </a:rPr>
               <a:t>تنها چیزی که در یادگیری من تداخل ایجاد می‌کند، تحصیلاتم است.</a:t>
             </a:r>
           </a:p>
@@ -22646,10 +22697,14 @@
               <a:buNone/>
             </a:pPr>
             <a:r>
-              <a:rPr lang="fa-IR" dirty="0"/>
+              <a:rPr lang="fa-IR" sz="2400" dirty="0">
+                <a:cs typeface="Kamran" panose="00000400000000000000" pitchFamily="2" charset="-78"/>
+              </a:rPr>
               <a:t>_آلبرت انیشتن</a:t>
             </a:r>
-            <a:endParaRPr dirty="0"/>
+            <a:endParaRPr sz="2400" dirty="0">
+              <a:cs typeface="Kamran" panose="00000400000000000000" pitchFamily="2" charset="-78"/>
+            </a:endParaRPr>
           </a:p>
         </p:txBody>
       </p:sp>
@@ -22710,13 +22765,13 @@
   <p:clrMapOvr>
     <a:masterClrMapping/>
   </p:clrMapOvr>
-  <mc:AlternateContent xmlns:mc="http://schemas.openxmlformats.org/markup-compatibility/2006">
-    <mc:Choice xmlns:p14="http://schemas.microsoft.com/office/powerpoint/2010/main" Requires="p14">
+  <mc:AlternateContent xmlns:mc="http://schemas.openxmlformats.org/markup-compatibility/2006" xmlns:p14="http://schemas.microsoft.com/office/powerpoint/2010/main">
+    <mc:Choice Requires="p14">
       <p:transition spd="slow" p14:dur="3900">
         <p14:glitter pattern="hexagon"/>
       </p:transition>
     </mc:Choice>
-    <mc:Fallback>
+    <mc:Fallback xmlns="">
       <p:transition spd="slow">
         <p:fade/>
       </p:transition>
@@ -23336,13 +23391,13 @@
   <p:clrMapOvr>
     <a:masterClrMapping/>
   </p:clrMapOvr>
-  <mc:AlternateContent xmlns:mc="http://schemas.openxmlformats.org/markup-compatibility/2006">
-    <mc:Choice xmlns:p159="http://schemas.microsoft.com/office/powerpoint/2015/09/main" Requires="p159">
+  <mc:AlternateContent xmlns:mc="http://schemas.openxmlformats.org/markup-compatibility/2006" xmlns:p159="http://schemas.microsoft.com/office/powerpoint/2015/09/main">
+    <mc:Choice Requires="p159">
       <p:transition xmlns:p14="http://schemas.microsoft.com/office/powerpoint/2010/main" spd="slow" p14:dur="2000">
         <p159:morph option="byObject"/>
       </p:transition>
     </mc:Choice>
-    <mc:Fallback>
+    <mc:Fallback xmlns="">
       <p:transition spd="slow">
         <p:fade/>
       </p:transition>
@@ -23461,13 +23516,13 @@
   <p:clrMapOvr>
     <a:masterClrMapping/>
   </p:clrMapOvr>
-  <mc:AlternateContent xmlns:mc="http://schemas.openxmlformats.org/markup-compatibility/2006">
-    <mc:Choice xmlns:p14="http://schemas.microsoft.com/office/powerpoint/2010/main" Requires="p14">
+  <mc:AlternateContent xmlns:mc="http://schemas.openxmlformats.org/markup-compatibility/2006" xmlns:p14="http://schemas.microsoft.com/office/powerpoint/2010/main">
+    <mc:Choice Requires="p14">
       <p:transition spd="slow" p14:dur="1500">
         <p:split orient="vert"/>
       </p:transition>
     </mc:Choice>
-    <mc:Fallback>
+    <mc:Fallback xmlns="">
       <p:transition spd="slow">
         <p:split orient="vert"/>
       </p:transition>
@@ -24004,13 +24059,13 @@
   <p:clrMapOvr>
     <a:masterClrMapping/>
   </p:clrMapOvr>
-  <mc:AlternateContent xmlns:mc="http://schemas.openxmlformats.org/markup-compatibility/2006">
-    <mc:Choice xmlns:p15="http://schemas.microsoft.com/office/powerpoint/2012/main" Requires="p15">
+  <mc:AlternateContent xmlns:mc="http://schemas.openxmlformats.org/markup-compatibility/2006" xmlns:p15="http://schemas.microsoft.com/office/powerpoint/2012/main">
+    <mc:Choice Requires="p15">
       <p:transition xmlns:p14="http://schemas.microsoft.com/office/powerpoint/2010/main" spd="slow" p14:dur="2000">
         <p15:prstTrans prst="fallOver"/>
       </p:transition>
     </mc:Choice>
-    <mc:Fallback>
+    <mc:Fallback xmlns="">
       <p:transition spd="slow">
         <p:fade/>
       </p:transition>
@@ -24135,13 +24190,13 @@
   <p:clrMapOvr>
     <a:masterClrMapping/>
   </p:clrMapOvr>
-  <mc:AlternateContent xmlns:mc="http://schemas.openxmlformats.org/markup-compatibility/2006">
-    <mc:Choice xmlns:p14="http://schemas.microsoft.com/office/powerpoint/2010/main" Requires="p14">
+  <mc:AlternateContent xmlns:mc="http://schemas.openxmlformats.org/markup-compatibility/2006" xmlns:p14="http://schemas.microsoft.com/office/powerpoint/2010/main">
+    <mc:Choice Requires="p14">
       <p:transition p14:dur="100">
         <p:cut/>
       </p:transition>
     </mc:Choice>
-    <mc:Fallback>
+    <mc:Fallback xmlns="">
       <p:transition>
         <p:cut/>
       </p:transition>
@@ -24231,13 +24286,13 @@
   <p:clrMapOvr>
     <a:masterClrMapping/>
   </p:clrMapOvr>
-  <mc:AlternateContent xmlns:mc="http://schemas.openxmlformats.org/markup-compatibility/2006">
-    <mc:Choice xmlns:p14="http://schemas.microsoft.com/office/powerpoint/2010/main" Requires="p14">
+  <mc:AlternateContent xmlns:mc="http://schemas.openxmlformats.org/markup-compatibility/2006" xmlns:p14="http://schemas.microsoft.com/office/powerpoint/2010/main">
+    <mc:Choice Requires="p14">
       <p:transition spd="slow">
         <p14:flash/>
       </p:transition>
     </mc:Choice>
-    <mc:Fallback>
+    <mc:Fallback xmlns="">
       <p:transition spd="slow">
         <p:fade/>
       </p:transition>
@@ -24884,13 +24939,13 @@
   <p:clrMapOvr>
     <a:masterClrMapping/>
   </p:clrMapOvr>
-  <mc:AlternateContent xmlns:mc="http://schemas.openxmlformats.org/markup-compatibility/2006">
-    <mc:Choice xmlns:p14="http://schemas.microsoft.com/office/powerpoint/2010/main" Requires="p14">
+  <mc:AlternateContent xmlns:mc="http://schemas.openxmlformats.org/markup-compatibility/2006" xmlns:p14="http://schemas.microsoft.com/office/powerpoint/2010/main">
+    <mc:Choice Requires="p14">
       <p:transition spd="slow" p14:dur="800">
         <p:circle/>
       </p:transition>
     </mc:Choice>
-    <mc:Fallback>
+    <mc:Fallback xmlns="">
       <p:transition spd="slow">
         <p:circle/>
       </p:transition>
